--- a/12_Collaborating with others.pptx
+++ b/12_Collaborating with others.pptx
@@ -9,14 +9,20 @@
   </p:notesMasterIdLst>
   <p:sldIdLst>
     <p:sldId id="256" r:id="rId6"/>
+    <p:sldId id="257" r:id="rId7"/>
+    <p:sldId id="258" r:id="rId8"/>
+    <p:sldId id="259" r:id="rId9"/>
+    <p:sldId id="260" r:id="rId10"/>
+    <p:sldId id="261" r:id="rId11"/>
+    <p:sldId id="262" r:id="rId12"/>
   </p:sldIdLst>
   <p:sldSz cy="5143500" cx="9144000"/>
   <p:notesSz cx="6858000" cy="9144000"/>
   <p:embeddedFontLst>
     <p:embeddedFont>
       <p:font typeface="Amatic SC"/>
-      <p:regular r:id="rId7"/>
-      <p:bold r:id="rId8"/>
+      <p:regular r:id="rId13"/>
+      <p:bold r:id="rId14"/>
     </p:embeddedFont>
   </p:embeddedFontLst>
   <p:defaultTextStyle>
@@ -748,6 +754,748 @@
       <p:sp>
         <p:nvSpPr>
           <p:cNvPr id="52" name="Google Shape;52;p:notes"/>
+          <p:cNvSpPr txBox="1"/>
+          <p:nvPr>
+            <p:ph idx="1" type="body"/>
+          </p:nvPr>
+        </p:nvSpPr>
+        <p:spPr>
+          <a:xfrm>
+            <a:off x="685800" y="4343400"/>
+            <a:ext cx="5486400" cy="4114800"/>
+          </a:xfrm>
+          <a:prstGeom prst="rect">
+            <a:avLst/>
+          </a:prstGeom>
+        </p:spPr>
+        <p:txBody>
+          <a:bodyPr anchorCtr="0" anchor="t" bIns="91425" lIns="91425" spcFirstLastPara="1" rIns="91425" wrap="square" tIns="91425">
+            <a:noAutofit/>
+          </a:bodyPr>
+          <a:lstStyle/>
+          <a:p>
+            <a:pPr indent="0" lvl="0" marL="0" rtl="0" algn="l">
+              <a:spcBef>
+                <a:spcPts val="0"/>
+              </a:spcBef>
+              <a:spcAft>
+                <a:spcPts val="0"/>
+              </a:spcAft>
+              <a:buNone/>
+            </a:pPr>
+            <a:r>
+              <a:t/>
+            </a:r>
+            <a:endParaRPr/>
+          </a:p>
+        </p:txBody>
+      </p:sp>
+    </p:spTree>
+  </p:cSld>
+  <p:clrMapOvr>
+    <a:masterClrMapping/>
+  </p:clrMapOvr>
+</p:notes>
+</file>
+
+<file path=ppt/notesSlides/notesSlide2.xml><?xml version="1.0" encoding="utf-8"?>
+<p:notes xmlns:a="http://schemas.openxmlformats.org/drawingml/2006/main" xmlns:r="http://schemas.openxmlformats.org/officeDocument/2006/relationships" xmlns:mc="http://schemas.openxmlformats.org/markup-compatibility/2006" xmlns:mv="urn:schemas-microsoft-com:mac:vml" xmlns:p="http://schemas.openxmlformats.org/presentationml/2006/main" xmlns:c="http://schemas.openxmlformats.org/drawingml/2006/chart" xmlns:dgm="http://schemas.openxmlformats.org/drawingml/2006/diagram" xmlns:o="urn:schemas-microsoft-com:office:office" xmlns:v="urn:schemas-microsoft-com:vml" xmlns:pvml="urn:schemas-microsoft-com:office:powerpoint" xmlns:com="http://schemas.openxmlformats.org/drawingml/2006/compatibility" xmlns:p14="http://schemas.microsoft.com/office/powerpoint/2010/main" xmlns:p15="http://schemas.microsoft.com/office/powerpoint/2012/main" xmlns:ahyp="http://schemas.microsoft.com/office/drawing/2018/hyperlinkcolor" showMasterPhAnim="0" showMasterSp="0">
+  <p:cSld>
+    <p:spTree>
+      <p:nvGrpSpPr>
+        <p:cNvPr id="56" name="Shape 56"/>
+        <p:cNvGrpSpPr/>
+        <p:nvPr/>
+      </p:nvGrpSpPr>
+      <p:grpSpPr>
+        <a:xfrm>
+          <a:off x="0" y="0"/>
+          <a:ext cx="0" cy="0"/>
+          <a:chOff x="0" y="0"/>
+          <a:chExt cx="0" cy="0"/>
+        </a:xfrm>
+      </p:grpSpPr>
+      <p:sp>
+        <p:nvSpPr>
+          <p:cNvPr id="57" name="Google Shape;57;g130b3eef924_0_22:notes"/>
+          <p:cNvSpPr/>
+          <p:nvPr>
+            <p:ph idx="2" type="sldImg"/>
+          </p:nvPr>
+        </p:nvSpPr>
+        <p:spPr>
+          <a:xfrm>
+            <a:off x="381300" y="685800"/>
+            <a:ext cx="6096000" cy="3429000"/>
+          </a:xfrm>
+          <a:custGeom>
+            <a:rect b="b" l="l" r="r" t="t"/>
+            <a:pathLst>
+              <a:path extrusionOk="0" h="120000" w="120000">
+                <a:moveTo>
+                  <a:pt x="0" y="0"/>
+                </a:moveTo>
+                <a:lnTo>
+                  <a:pt x="120000" y="0"/>
+                </a:lnTo>
+                <a:lnTo>
+                  <a:pt x="120000" y="120000"/>
+                </a:lnTo>
+                <a:lnTo>
+                  <a:pt x="0" y="120000"/>
+                </a:lnTo>
+                <a:close/>
+              </a:path>
+            </a:pathLst>
+          </a:custGeom>
+        </p:spPr>
+      </p:sp>
+      <p:sp>
+        <p:nvSpPr>
+          <p:cNvPr id="58" name="Google Shape;58;g130b3eef924_0_22:notes"/>
+          <p:cNvSpPr txBox="1"/>
+          <p:nvPr>
+            <p:ph idx="1" type="body"/>
+          </p:nvPr>
+        </p:nvSpPr>
+        <p:spPr>
+          <a:xfrm>
+            <a:off x="685800" y="4343400"/>
+            <a:ext cx="5486400" cy="4114800"/>
+          </a:xfrm>
+          <a:prstGeom prst="rect">
+            <a:avLst/>
+          </a:prstGeom>
+        </p:spPr>
+        <p:txBody>
+          <a:bodyPr anchorCtr="0" anchor="t" bIns="91425" lIns="91425" spcFirstLastPara="1" rIns="91425" wrap="square" tIns="91425">
+            <a:noAutofit/>
+          </a:bodyPr>
+          <a:lstStyle/>
+          <a:p>
+            <a:pPr indent="0" lvl="0" marL="0" rtl="0" algn="l">
+              <a:spcBef>
+                <a:spcPts val="0"/>
+              </a:spcBef>
+              <a:spcAft>
+                <a:spcPts val="0"/>
+              </a:spcAft>
+              <a:buClr>
+                <a:schemeClr val="dk1"/>
+              </a:buClr>
+              <a:buSzPts val="1100"/>
+              <a:buFont typeface="Arial"/>
+              <a:buNone/>
+            </a:pPr>
+            <a:r>
+              <a:rPr lang="en-GB"/>
+              <a:t>Should be able to hand code over to masters student, collaborator</a:t>
+            </a:r>
+            <a:endParaRPr/>
+          </a:p>
+          <a:p>
+            <a:pPr indent="0" lvl="0" marL="0" rtl="0" algn="l">
+              <a:spcBef>
+                <a:spcPts val="0"/>
+              </a:spcBef>
+              <a:spcAft>
+                <a:spcPts val="0"/>
+              </a:spcAft>
+              <a:buClr>
+                <a:schemeClr val="dk1"/>
+              </a:buClr>
+              <a:buSzPts val="1100"/>
+              <a:buFont typeface="Arial"/>
+              <a:buNone/>
+            </a:pPr>
+            <a:r>
+              <a:rPr lang="en-GB"/>
+              <a:t>- comes back to bite you</a:t>
+            </a:r>
+            <a:endParaRPr/>
+          </a:p>
+          <a:p>
+            <a:pPr indent="0" lvl="0" marL="0" rtl="0" algn="l">
+              <a:spcBef>
+                <a:spcPts val="0"/>
+              </a:spcBef>
+              <a:spcAft>
+                <a:spcPts val="0"/>
+              </a:spcAft>
+              <a:buClr>
+                <a:schemeClr val="dk1"/>
+              </a:buClr>
+              <a:buSzPts val="1100"/>
+              <a:buFont typeface="Arial"/>
+              <a:buNone/>
+            </a:pPr>
+            <a:r>
+              <a:rPr lang="en-GB"/>
+              <a:t>- BUS FACTOR OF ONE</a:t>
+            </a:r>
+            <a:endParaRPr/>
+          </a:p>
+          <a:p>
+            <a:pPr indent="0" lvl="0" marL="0" rtl="0" algn="l">
+              <a:spcBef>
+                <a:spcPts val="0"/>
+              </a:spcBef>
+              <a:spcAft>
+                <a:spcPts val="0"/>
+              </a:spcAft>
+              <a:buClr>
+                <a:schemeClr val="dk1"/>
+              </a:buClr>
+              <a:buSzPts val="1100"/>
+              <a:buFont typeface="Arial"/>
+              <a:buNone/>
+            </a:pPr>
+            <a:r>
+              <a:t/>
+            </a:r>
+            <a:endParaRPr/>
+          </a:p>
+          <a:p>
+            <a:pPr indent="0" lvl="0" marL="0" rtl="0" algn="l">
+              <a:spcBef>
+                <a:spcPts val="0"/>
+              </a:spcBef>
+              <a:spcAft>
+                <a:spcPts val="0"/>
+              </a:spcAft>
+              <a:buNone/>
+            </a:pPr>
+            <a:r>
+              <a:rPr lang="en-GB"/>
+              <a:t>- knowledge decays.  You come back and even you cant remember it</a:t>
+            </a:r>
+            <a:endParaRPr/>
+          </a:p>
+        </p:txBody>
+      </p:sp>
+    </p:spTree>
+  </p:cSld>
+  <p:clrMapOvr>
+    <a:masterClrMapping/>
+  </p:clrMapOvr>
+</p:notes>
+</file>
+
+<file path=ppt/notesSlides/notesSlide3.xml><?xml version="1.0" encoding="utf-8"?>
+<p:notes xmlns:a="http://schemas.openxmlformats.org/drawingml/2006/main" xmlns:r="http://schemas.openxmlformats.org/officeDocument/2006/relationships" xmlns:mc="http://schemas.openxmlformats.org/markup-compatibility/2006" xmlns:mv="urn:schemas-microsoft-com:mac:vml" xmlns:p="http://schemas.openxmlformats.org/presentationml/2006/main" xmlns:c="http://schemas.openxmlformats.org/drawingml/2006/chart" xmlns:dgm="http://schemas.openxmlformats.org/drawingml/2006/diagram" xmlns:o="urn:schemas-microsoft-com:office:office" xmlns:v="urn:schemas-microsoft-com:vml" xmlns:pvml="urn:schemas-microsoft-com:office:powerpoint" xmlns:com="http://schemas.openxmlformats.org/drawingml/2006/compatibility" xmlns:p14="http://schemas.microsoft.com/office/powerpoint/2010/main" xmlns:p15="http://schemas.microsoft.com/office/powerpoint/2012/main" xmlns:ahyp="http://schemas.microsoft.com/office/drawing/2018/hyperlinkcolor" showMasterPhAnim="0" showMasterSp="0">
+  <p:cSld>
+    <p:spTree>
+      <p:nvGrpSpPr>
+        <p:cNvPr id="62" name="Shape 62"/>
+        <p:cNvGrpSpPr/>
+        <p:nvPr/>
+      </p:nvGrpSpPr>
+      <p:grpSpPr>
+        <a:xfrm>
+          <a:off x="0" y="0"/>
+          <a:ext cx="0" cy="0"/>
+          <a:chOff x="0" y="0"/>
+          <a:chExt cx="0" cy="0"/>
+        </a:xfrm>
+      </p:grpSpPr>
+      <p:sp>
+        <p:nvSpPr>
+          <p:cNvPr id="63" name="Google Shape;63;g130b3eef924_0_28:notes"/>
+          <p:cNvSpPr/>
+          <p:nvPr>
+            <p:ph idx="2" type="sldImg"/>
+          </p:nvPr>
+        </p:nvSpPr>
+        <p:spPr>
+          <a:xfrm>
+            <a:off x="381300" y="685800"/>
+            <a:ext cx="6096000" cy="3429000"/>
+          </a:xfrm>
+          <a:custGeom>
+            <a:rect b="b" l="l" r="r" t="t"/>
+            <a:pathLst>
+              <a:path extrusionOk="0" h="120000" w="120000">
+                <a:moveTo>
+                  <a:pt x="0" y="0"/>
+                </a:moveTo>
+                <a:lnTo>
+                  <a:pt x="120000" y="0"/>
+                </a:lnTo>
+                <a:lnTo>
+                  <a:pt x="120000" y="120000"/>
+                </a:lnTo>
+                <a:lnTo>
+                  <a:pt x="0" y="120000"/>
+                </a:lnTo>
+                <a:close/>
+              </a:path>
+            </a:pathLst>
+          </a:custGeom>
+        </p:spPr>
+      </p:sp>
+      <p:sp>
+        <p:nvSpPr>
+          <p:cNvPr id="64" name="Google Shape;64;g130b3eef924_0_28:notes"/>
+          <p:cNvSpPr txBox="1"/>
+          <p:nvPr>
+            <p:ph idx="1" type="body"/>
+          </p:nvPr>
+        </p:nvSpPr>
+        <p:spPr>
+          <a:xfrm>
+            <a:off x="685800" y="4343400"/>
+            <a:ext cx="5486400" cy="4114800"/>
+          </a:xfrm>
+          <a:prstGeom prst="rect">
+            <a:avLst/>
+          </a:prstGeom>
+        </p:spPr>
+        <p:txBody>
+          <a:bodyPr anchorCtr="0" anchor="t" bIns="91425" lIns="91425" spcFirstLastPara="1" rIns="91425" wrap="square" tIns="91425">
+            <a:noAutofit/>
+          </a:bodyPr>
+          <a:lstStyle/>
+          <a:p>
+            <a:pPr indent="0" lvl="0" marL="0" rtl="0" algn="l">
+              <a:spcBef>
+                <a:spcPts val="0"/>
+              </a:spcBef>
+              <a:spcAft>
+                <a:spcPts val="0"/>
+              </a:spcAft>
+              <a:buNone/>
+            </a:pPr>
+            <a:r>
+              <a:rPr lang="en-GB"/>
+              <a:t>Should be able to hand code over to masters student, collaborator</a:t>
+            </a:r>
+            <a:endParaRPr/>
+          </a:p>
+          <a:p>
+            <a:pPr indent="0" lvl="0" marL="0" rtl="0" algn="l">
+              <a:spcBef>
+                <a:spcPts val="0"/>
+              </a:spcBef>
+              <a:spcAft>
+                <a:spcPts val="0"/>
+              </a:spcAft>
+              <a:buNone/>
+            </a:pPr>
+            <a:r>
+              <a:rPr lang="en-GB"/>
+              <a:t>- comes back to bite you</a:t>
+            </a:r>
+            <a:endParaRPr/>
+          </a:p>
+          <a:p>
+            <a:pPr indent="0" lvl="0" marL="0" rtl="0" algn="l">
+              <a:spcBef>
+                <a:spcPts val="0"/>
+              </a:spcBef>
+              <a:spcAft>
+                <a:spcPts val="0"/>
+              </a:spcAft>
+              <a:buNone/>
+            </a:pPr>
+            <a:r>
+              <a:rPr lang="en-GB"/>
+              <a:t>- BUS FACTOR OF ONE</a:t>
+            </a:r>
+            <a:endParaRPr/>
+          </a:p>
+          <a:p>
+            <a:pPr indent="0" lvl="0" marL="0" rtl="0" algn="l">
+              <a:spcBef>
+                <a:spcPts val="0"/>
+              </a:spcBef>
+              <a:spcAft>
+                <a:spcPts val="0"/>
+              </a:spcAft>
+              <a:buNone/>
+            </a:pPr>
+            <a:r>
+              <a:t/>
+            </a:r>
+            <a:endParaRPr/>
+          </a:p>
+          <a:p>
+            <a:pPr indent="0" lvl="0" marL="0" rtl="0" algn="l">
+              <a:spcBef>
+                <a:spcPts val="0"/>
+              </a:spcBef>
+              <a:spcAft>
+                <a:spcPts val="0"/>
+              </a:spcAft>
+              <a:buNone/>
+            </a:pPr>
+            <a:r>
+              <a:rPr lang="en-GB"/>
+              <a:t>- knowledge decays.  You come back and even you cant remember it</a:t>
+            </a:r>
+            <a:endParaRPr/>
+          </a:p>
+        </p:txBody>
+      </p:sp>
+    </p:spTree>
+  </p:cSld>
+  <p:clrMapOvr>
+    <a:masterClrMapping/>
+  </p:clrMapOvr>
+</p:notes>
+</file>
+
+<file path=ppt/notesSlides/notesSlide4.xml><?xml version="1.0" encoding="utf-8"?>
+<p:notes xmlns:a="http://schemas.openxmlformats.org/drawingml/2006/main" xmlns:r="http://schemas.openxmlformats.org/officeDocument/2006/relationships" xmlns:mc="http://schemas.openxmlformats.org/markup-compatibility/2006" xmlns:mv="urn:schemas-microsoft-com:mac:vml" xmlns:p="http://schemas.openxmlformats.org/presentationml/2006/main" xmlns:c="http://schemas.openxmlformats.org/drawingml/2006/chart" xmlns:dgm="http://schemas.openxmlformats.org/drawingml/2006/diagram" xmlns:o="urn:schemas-microsoft-com:office:office" xmlns:v="urn:schemas-microsoft-com:vml" xmlns:pvml="urn:schemas-microsoft-com:office:powerpoint" xmlns:com="http://schemas.openxmlformats.org/drawingml/2006/compatibility" xmlns:p14="http://schemas.microsoft.com/office/powerpoint/2010/main" xmlns:p15="http://schemas.microsoft.com/office/powerpoint/2012/main" xmlns:ahyp="http://schemas.microsoft.com/office/drawing/2018/hyperlinkcolor" showMasterPhAnim="0" showMasterSp="0">
+  <p:cSld>
+    <p:spTree>
+      <p:nvGrpSpPr>
+        <p:cNvPr id="68" name="Shape 68"/>
+        <p:cNvGrpSpPr/>
+        <p:nvPr/>
+      </p:nvGrpSpPr>
+      <p:grpSpPr>
+        <a:xfrm>
+          <a:off x="0" y="0"/>
+          <a:ext cx="0" cy="0"/>
+          <a:chOff x="0" y="0"/>
+          <a:chExt cx="0" cy="0"/>
+        </a:xfrm>
+      </p:grpSpPr>
+      <p:sp>
+        <p:nvSpPr>
+          <p:cNvPr id="69" name="Google Shape;69;g11cdbd5a181_0_0:notes"/>
+          <p:cNvSpPr/>
+          <p:nvPr>
+            <p:ph idx="2" type="sldImg"/>
+          </p:nvPr>
+        </p:nvSpPr>
+        <p:spPr>
+          <a:xfrm>
+            <a:off x="381300" y="685800"/>
+            <a:ext cx="6096000" cy="3429000"/>
+          </a:xfrm>
+          <a:custGeom>
+            <a:rect b="b" l="l" r="r" t="t"/>
+            <a:pathLst>
+              <a:path extrusionOk="0" h="120000" w="120000">
+                <a:moveTo>
+                  <a:pt x="0" y="0"/>
+                </a:moveTo>
+                <a:lnTo>
+                  <a:pt x="120000" y="0"/>
+                </a:lnTo>
+                <a:lnTo>
+                  <a:pt x="120000" y="120000"/>
+                </a:lnTo>
+                <a:lnTo>
+                  <a:pt x="0" y="120000"/>
+                </a:lnTo>
+                <a:close/>
+              </a:path>
+            </a:pathLst>
+          </a:custGeom>
+        </p:spPr>
+      </p:sp>
+      <p:sp>
+        <p:nvSpPr>
+          <p:cNvPr id="70" name="Google Shape;70;g11cdbd5a181_0_0:notes"/>
+          <p:cNvSpPr txBox="1"/>
+          <p:nvPr>
+            <p:ph idx="1" type="body"/>
+          </p:nvPr>
+        </p:nvSpPr>
+        <p:spPr>
+          <a:xfrm>
+            <a:off x="685800" y="4343400"/>
+            <a:ext cx="5486400" cy="4114800"/>
+          </a:xfrm>
+          <a:prstGeom prst="rect">
+            <a:avLst/>
+          </a:prstGeom>
+        </p:spPr>
+        <p:txBody>
+          <a:bodyPr anchorCtr="0" anchor="t" bIns="91425" lIns="91425" spcFirstLastPara="1" rIns="91425" wrap="square" tIns="91425">
+            <a:noAutofit/>
+          </a:bodyPr>
+          <a:lstStyle/>
+          <a:p>
+            <a:pPr indent="0" lvl="0" marL="0" rtl="0" algn="l">
+              <a:spcBef>
+                <a:spcPts val="0"/>
+              </a:spcBef>
+              <a:spcAft>
+                <a:spcPts val="0"/>
+              </a:spcAft>
+              <a:buNone/>
+            </a:pPr>
+            <a:r>
+              <a:t/>
+            </a:r>
+            <a:endParaRPr/>
+          </a:p>
+        </p:txBody>
+      </p:sp>
+    </p:spTree>
+  </p:cSld>
+  <p:clrMapOvr>
+    <a:masterClrMapping/>
+  </p:clrMapOvr>
+</p:notes>
+</file>
+
+<file path=ppt/notesSlides/notesSlide5.xml><?xml version="1.0" encoding="utf-8"?>
+<p:notes xmlns:a="http://schemas.openxmlformats.org/drawingml/2006/main" xmlns:r="http://schemas.openxmlformats.org/officeDocument/2006/relationships" xmlns:mc="http://schemas.openxmlformats.org/markup-compatibility/2006" xmlns:mv="urn:schemas-microsoft-com:mac:vml" xmlns:p="http://schemas.openxmlformats.org/presentationml/2006/main" xmlns:c="http://schemas.openxmlformats.org/drawingml/2006/chart" xmlns:dgm="http://schemas.openxmlformats.org/drawingml/2006/diagram" xmlns:o="urn:schemas-microsoft-com:office:office" xmlns:v="urn:schemas-microsoft-com:vml" xmlns:pvml="urn:schemas-microsoft-com:office:powerpoint" xmlns:com="http://schemas.openxmlformats.org/drawingml/2006/compatibility" xmlns:p14="http://schemas.microsoft.com/office/powerpoint/2010/main" xmlns:p15="http://schemas.microsoft.com/office/powerpoint/2012/main" xmlns:ahyp="http://schemas.microsoft.com/office/drawing/2018/hyperlinkcolor" showMasterPhAnim="0" showMasterSp="0">
+  <p:cSld>
+    <p:spTree>
+      <p:nvGrpSpPr>
+        <p:cNvPr id="75" name="Shape 75"/>
+        <p:cNvGrpSpPr/>
+        <p:nvPr/>
+      </p:nvGrpSpPr>
+      <p:grpSpPr>
+        <a:xfrm>
+          <a:off x="0" y="0"/>
+          <a:ext cx="0" cy="0"/>
+          <a:chOff x="0" y="0"/>
+          <a:chExt cx="0" cy="0"/>
+        </a:xfrm>
+      </p:grpSpPr>
+      <p:sp>
+        <p:nvSpPr>
+          <p:cNvPr id="76" name="Google Shape;76;g130b3eef924_0_4:notes"/>
+          <p:cNvSpPr/>
+          <p:nvPr>
+            <p:ph idx="2" type="sldImg"/>
+          </p:nvPr>
+        </p:nvSpPr>
+        <p:spPr>
+          <a:xfrm>
+            <a:off x="381300" y="685800"/>
+            <a:ext cx="6096000" cy="3429000"/>
+          </a:xfrm>
+          <a:custGeom>
+            <a:rect b="b" l="l" r="r" t="t"/>
+            <a:pathLst>
+              <a:path extrusionOk="0" h="120000" w="120000">
+                <a:moveTo>
+                  <a:pt x="0" y="0"/>
+                </a:moveTo>
+                <a:lnTo>
+                  <a:pt x="120000" y="0"/>
+                </a:lnTo>
+                <a:lnTo>
+                  <a:pt x="120000" y="120000"/>
+                </a:lnTo>
+                <a:lnTo>
+                  <a:pt x="0" y="120000"/>
+                </a:lnTo>
+                <a:close/>
+              </a:path>
+            </a:pathLst>
+          </a:custGeom>
+        </p:spPr>
+      </p:sp>
+      <p:sp>
+        <p:nvSpPr>
+          <p:cNvPr id="77" name="Google Shape;77;g130b3eef924_0_4:notes"/>
+          <p:cNvSpPr txBox="1"/>
+          <p:nvPr>
+            <p:ph idx="1" type="body"/>
+          </p:nvPr>
+        </p:nvSpPr>
+        <p:spPr>
+          <a:xfrm>
+            <a:off x="685800" y="4343400"/>
+            <a:ext cx="5486400" cy="4114800"/>
+          </a:xfrm>
+          <a:prstGeom prst="rect">
+            <a:avLst/>
+          </a:prstGeom>
+        </p:spPr>
+        <p:txBody>
+          <a:bodyPr anchorCtr="0" anchor="t" bIns="91425" lIns="91425" spcFirstLastPara="1" rIns="91425" wrap="square" tIns="91425">
+            <a:noAutofit/>
+          </a:bodyPr>
+          <a:lstStyle/>
+          <a:p>
+            <a:pPr indent="0" lvl="0" marL="0" rtl="0" algn="l">
+              <a:spcBef>
+                <a:spcPts val="0"/>
+              </a:spcBef>
+              <a:spcAft>
+                <a:spcPts val="0"/>
+              </a:spcAft>
+              <a:buNone/>
+            </a:pPr>
+            <a:r>
+              <a:t/>
+            </a:r>
+            <a:endParaRPr/>
+          </a:p>
+        </p:txBody>
+      </p:sp>
+    </p:spTree>
+  </p:cSld>
+  <p:clrMapOvr>
+    <a:masterClrMapping/>
+  </p:clrMapOvr>
+</p:notes>
+</file>
+
+<file path=ppt/notesSlides/notesSlide6.xml><?xml version="1.0" encoding="utf-8"?>
+<p:notes xmlns:a="http://schemas.openxmlformats.org/drawingml/2006/main" xmlns:r="http://schemas.openxmlformats.org/officeDocument/2006/relationships" xmlns:mc="http://schemas.openxmlformats.org/markup-compatibility/2006" xmlns:mv="urn:schemas-microsoft-com:mac:vml" xmlns:p="http://schemas.openxmlformats.org/presentationml/2006/main" xmlns:c="http://schemas.openxmlformats.org/drawingml/2006/chart" xmlns:dgm="http://schemas.openxmlformats.org/drawingml/2006/diagram" xmlns:o="urn:schemas-microsoft-com:office:office" xmlns:v="urn:schemas-microsoft-com:vml" xmlns:pvml="urn:schemas-microsoft-com:office:powerpoint" xmlns:com="http://schemas.openxmlformats.org/drawingml/2006/compatibility" xmlns:p14="http://schemas.microsoft.com/office/powerpoint/2010/main" xmlns:p15="http://schemas.microsoft.com/office/powerpoint/2012/main" xmlns:ahyp="http://schemas.microsoft.com/office/drawing/2018/hyperlinkcolor" showMasterPhAnim="0" showMasterSp="0">
+  <p:cSld>
+    <p:spTree>
+      <p:nvGrpSpPr>
+        <p:cNvPr id="80" name="Shape 80"/>
+        <p:cNvGrpSpPr/>
+        <p:nvPr/>
+      </p:nvGrpSpPr>
+      <p:grpSpPr>
+        <a:xfrm>
+          <a:off x="0" y="0"/>
+          <a:ext cx="0" cy="0"/>
+          <a:chOff x="0" y="0"/>
+          <a:chExt cx="0" cy="0"/>
+        </a:xfrm>
+      </p:grpSpPr>
+      <p:sp>
+        <p:nvSpPr>
+          <p:cNvPr id="81" name="Google Shape;81;g130b3eef924_0_10:notes"/>
+          <p:cNvSpPr/>
+          <p:nvPr>
+            <p:ph idx="2" type="sldImg"/>
+          </p:nvPr>
+        </p:nvSpPr>
+        <p:spPr>
+          <a:xfrm>
+            <a:off x="381300" y="685800"/>
+            <a:ext cx="6096000" cy="3429000"/>
+          </a:xfrm>
+          <a:custGeom>
+            <a:rect b="b" l="l" r="r" t="t"/>
+            <a:pathLst>
+              <a:path extrusionOk="0" h="120000" w="120000">
+                <a:moveTo>
+                  <a:pt x="0" y="0"/>
+                </a:moveTo>
+                <a:lnTo>
+                  <a:pt x="120000" y="0"/>
+                </a:lnTo>
+                <a:lnTo>
+                  <a:pt x="120000" y="120000"/>
+                </a:lnTo>
+                <a:lnTo>
+                  <a:pt x="0" y="120000"/>
+                </a:lnTo>
+                <a:close/>
+              </a:path>
+            </a:pathLst>
+          </a:custGeom>
+        </p:spPr>
+      </p:sp>
+      <p:sp>
+        <p:nvSpPr>
+          <p:cNvPr id="82" name="Google Shape;82;g130b3eef924_0_10:notes"/>
+          <p:cNvSpPr txBox="1"/>
+          <p:nvPr>
+            <p:ph idx="1" type="body"/>
+          </p:nvPr>
+        </p:nvSpPr>
+        <p:spPr>
+          <a:xfrm>
+            <a:off x="685800" y="4343400"/>
+            <a:ext cx="5486400" cy="4114800"/>
+          </a:xfrm>
+          <a:prstGeom prst="rect">
+            <a:avLst/>
+          </a:prstGeom>
+        </p:spPr>
+        <p:txBody>
+          <a:bodyPr anchorCtr="0" anchor="t" bIns="91425" lIns="91425" spcFirstLastPara="1" rIns="91425" wrap="square" tIns="91425">
+            <a:noAutofit/>
+          </a:bodyPr>
+          <a:lstStyle/>
+          <a:p>
+            <a:pPr indent="0" lvl="0" marL="0" rtl="0" algn="l">
+              <a:spcBef>
+                <a:spcPts val="0"/>
+              </a:spcBef>
+              <a:spcAft>
+                <a:spcPts val="0"/>
+              </a:spcAft>
+              <a:buNone/>
+            </a:pPr>
+            <a:r>
+              <a:t/>
+            </a:r>
+            <a:endParaRPr/>
+          </a:p>
+        </p:txBody>
+      </p:sp>
+    </p:spTree>
+  </p:cSld>
+  <p:clrMapOvr>
+    <a:masterClrMapping/>
+  </p:clrMapOvr>
+</p:notes>
+</file>
+
+<file path=ppt/notesSlides/notesSlide7.xml><?xml version="1.0" encoding="utf-8"?>
+<p:notes xmlns:a="http://schemas.openxmlformats.org/drawingml/2006/main" xmlns:r="http://schemas.openxmlformats.org/officeDocument/2006/relationships" xmlns:mc="http://schemas.openxmlformats.org/markup-compatibility/2006" xmlns:mv="urn:schemas-microsoft-com:mac:vml" xmlns:p="http://schemas.openxmlformats.org/presentationml/2006/main" xmlns:c="http://schemas.openxmlformats.org/drawingml/2006/chart" xmlns:dgm="http://schemas.openxmlformats.org/drawingml/2006/diagram" xmlns:o="urn:schemas-microsoft-com:office:office" xmlns:v="urn:schemas-microsoft-com:vml" xmlns:pvml="urn:schemas-microsoft-com:office:powerpoint" xmlns:com="http://schemas.openxmlformats.org/drawingml/2006/compatibility" xmlns:p14="http://schemas.microsoft.com/office/powerpoint/2010/main" xmlns:p15="http://schemas.microsoft.com/office/powerpoint/2012/main" xmlns:ahyp="http://schemas.microsoft.com/office/drawing/2018/hyperlinkcolor" showMasterPhAnim="0" showMasterSp="0">
+  <p:cSld>
+    <p:spTree>
+      <p:nvGrpSpPr>
+        <p:cNvPr id="85" name="Shape 85"/>
+        <p:cNvGrpSpPr/>
+        <p:nvPr/>
+      </p:nvGrpSpPr>
+      <p:grpSpPr>
+        <a:xfrm>
+          <a:off x="0" y="0"/>
+          <a:ext cx="0" cy="0"/>
+          <a:chOff x="0" y="0"/>
+          <a:chExt cx="0" cy="0"/>
+        </a:xfrm>
+      </p:grpSpPr>
+      <p:sp>
+        <p:nvSpPr>
+          <p:cNvPr id="86" name="Google Shape;86;g130b3eef924_0_16:notes"/>
+          <p:cNvSpPr/>
+          <p:nvPr>
+            <p:ph idx="2" type="sldImg"/>
+          </p:nvPr>
+        </p:nvSpPr>
+        <p:spPr>
+          <a:xfrm>
+            <a:off x="381300" y="685800"/>
+            <a:ext cx="6096000" cy="3429000"/>
+          </a:xfrm>
+          <a:custGeom>
+            <a:rect b="b" l="l" r="r" t="t"/>
+            <a:pathLst>
+              <a:path extrusionOk="0" h="120000" w="120000">
+                <a:moveTo>
+                  <a:pt x="0" y="0"/>
+                </a:moveTo>
+                <a:lnTo>
+                  <a:pt x="120000" y="0"/>
+                </a:lnTo>
+                <a:lnTo>
+                  <a:pt x="120000" y="120000"/>
+                </a:lnTo>
+                <a:lnTo>
+                  <a:pt x="0" y="120000"/>
+                </a:lnTo>
+                <a:close/>
+              </a:path>
+            </a:pathLst>
+          </a:custGeom>
+        </p:spPr>
+      </p:sp>
+      <p:sp>
+        <p:nvSpPr>
+          <p:cNvPr id="87" name="Google Shape;87;g130b3eef924_0_16:notes"/>
           <p:cNvSpPr txBox="1"/>
           <p:nvPr>
             <p:ph idx="1" type="body"/>
@@ -5541,12 +6289,1254 @@
               <a:buNone/>
             </a:pPr>
             <a:r>
+              <a:rPr lang="en-GB">
+                <a:latin typeface="Amatic SC"/>
+                <a:ea typeface="Amatic SC"/>
+                <a:cs typeface="Amatic SC"/>
+                <a:sym typeface="Amatic SC"/>
+              </a:rPr>
+              <a:t>Dr. Domhnall Carlin, QUB</a:t>
+            </a:r>
+            <a:endParaRPr>
+              <a:latin typeface="Amatic SC"/>
+              <a:ea typeface="Amatic SC"/>
+              <a:cs typeface="Amatic SC"/>
+              <a:sym typeface="Amatic SC"/>
+            </a:endParaRPr>
+          </a:p>
+        </p:txBody>
+      </p:sp>
+    </p:spTree>
+  </p:cSld>
+  <p:clrMapOvr>
+    <a:masterClrMapping/>
+  </p:clrMapOvr>
+</p:sld>
+</file>
+
+<file path=ppt/slides/slide2.xml><?xml version="1.0" encoding="utf-8"?>
+<p:sld xmlns:a="http://schemas.openxmlformats.org/drawingml/2006/main" xmlns:r="http://schemas.openxmlformats.org/officeDocument/2006/relationships" xmlns:mc="http://schemas.openxmlformats.org/markup-compatibility/2006" xmlns:mv="urn:schemas-microsoft-com:mac:vml" xmlns:p="http://schemas.openxmlformats.org/presentationml/2006/main" xmlns:c="http://schemas.openxmlformats.org/drawingml/2006/chart" xmlns:dgm="http://schemas.openxmlformats.org/drawingml/2006/diagram" xmlns:o="urn:schemas-microsoft-com:office:office" xmlns:v="urn:schemas-microsoft-com:vml" xmlns:pvml="urn:schemas-microsoft-com:office:powerpoint" xmlns:com="http://schemas.openxmlformats.org/drawingml/2006/compatibility" xmlns:p14="http://schemas.microsoft.com/office/powerpoint/2010/main" xmlns:p15="http://schemas.microsoft.com/office/powerpoint/2012/main" xmlns:ahyp="http://schemas.microsoft.com/office/drawing/2018/hyperlinkcolor">
+  <p:cSld>
+    <p:spTree>
+      <p:nvGrpSpPr>
+        <p:cNvPr id="59" name="Shape 59"/>
+        <p:cNvGrpSpPr/>
+        <p:nvPr/>
+      </p:nvGrpSpPr>
+      <p:grpSpPr>
+        <a:xfrm>
+          <a:off x="0" y="0"/>
+          <a:ext cx="0" cy="0"/>
+          <a:chOff x="0" y="0"/>
+          <a:chExt cx="0" cy="0"/>
+        </a:xfrm>
+      </p:grpSpPr>
+      <p:sp>
+        <p:nvSpPr>
+          <p:cNvPr id="60" name="Google Shape;60;p14"/>
+          <p:cNvSpPr txBox="1"/>
+          <p:nvPr>
+            <p:ph type="title"/>
+          </p:nvPr>
+        </p:nvSpPr>
+        <p:spPr>
+          <a:xfrm>
+            <a:off x="311700" y="445025"/>
+            <a:ext cx="8520600" cy="572700"/>
+          </a:xfrm>
+          <a:prstGeom prst="rect">
+            <a:avLst/>
+          </a:prstGeom>
+        </p:spPr>
+        <p:txBody>
+          <a:bodyPr anchorCtr="0" anchor="t" bIns="91425" lIns="91425" spcFirstLastPara="1" rIns="91425" wrap="square" tIns="91425">
+            <a:normAutofit fontScale="90000"/>
+          </a:bodyPr>
+          <a:lstStyle/>
+          <a:p>
+            <a:pPr indent="0" lvl="0" marL="0" rtl="0" algn="l">
+              <a:spcBef>
+                <a:spcPts val="0"/>
+              </a:spcBef>
+              <a:spcAft>
+                <a:spcPts val="0"/>
+              </a:spcAft>
+              <a:buNone/>
+            </a:pPr>
+            <a:r>
+              <a:rPr lang="en-GB"/>
+              <a:t>Research code is often…</a:t>
+            </a:r>
+            <a:endParaRPr/>
+          </a:p>
+        </p:txBody>
+      </p:sp>
+      <p:sp>
+        <p:nvSpPr>
+          <p:cNvPr id="61" name="Google Shape;61;p14"/>
+          <p:cNvSpPr txBox="1"/>
+          <p:nvPr>
+            <p:ph idx="1" type="body"/>
+          </p:nvPr>
+        </p:nvSpPr>
+        <p:spPr>
+          <a:xfrm>
+            <a:off x="311700" y="1152475"/>
+            <a:ext cx="8520600" cy="3416400"/>
+          </a:xfrm>
+          <a:prstGeom prst="rect">
+            <a:avLst/>
+          </a:prstGeom>
+        </p:spPr>
+        <p:txBody>
+          <a:bodyPr anchorCtr="0" anchor="t" bIns="91425" lIns="91425" spcFirstLastPara="1" rIns="91425" wrap="square" tIns="91425">
+            <a:normAutofit/>
+          </a:bodyPr>
+          <a:lstStyle/>
+          <a:p>
+            <a:pPr indent="-342900" lvl="0" marL="457200" rtl="0" algn="l">
+              <a:spcBef>
+                <a:spcPts val="0"/>
+              </a:spcBef>
+              <a:spcAft>
+                <a:spcPts val="0"/>
+              </a:spcAft>
+              <a:buSzPts val="1800"/>
+              <a:buChar char="●"/>
+            </a:pPr>
+            <a:r>
+              <a:rPr lang="en-GB"/>
+              <a:t>Single writer</a:t>
+            </a:r>
+            <a:endParaRPr/>
+          </a:p>
+          <a:p>
+            <a:pPr indent="-342900" lvl="0" marL="457200" rtl="0" algn="l">
+              <a:spcBef>
+                <a:spcPts val="0"/>
+              </a:spcBef>
+              <a:spcAft>
+                <a:spcPts val="0"/>
+              </a:spcAft>
+              <a:buSzPts val="1800"/>
+              <a:buChar char="●"/>
+            </a:pPr>
+            <a:r>
+              <a:rPr lang="en-GB"/>
+              <a:t>Single user</a:t>
+            </a:r>
+            <a:endParaRPr/>
+          </a:p>
+          <a:p>
+            <a:pPr indent="-342900" lvl="0" marL="457200" rtl="0" algn="l">
+              <a:spcBef>
+                <a:spcPts val="0"/>
+              </a:spcBef>
+              <a:spcAft>
+                <a:spcPts val="0"/>
+              </a:spcAft>
+              <a:buSzPts val="1800"/>
+              <a:buChar char="●"/>
+            </a:pPr>
+            <a:r>
+              <a:rPr lang="en-GB"/>
+              <a:t>Written with the above two points in mind</a:t>
+            </a:r>
+            <a:endParaRPr/>
+          </a:p>
+          <a:p>
+            <a:pPr indent="0" lvl="0" marL="0" rtl="0" algn="l">
+              <a:spcBef>
+                <a:spcPts val="1200"/>
+              </a:spcBef>
+              <a:spcAft>
+                <a:spcPts val="0"/>
+              </a:spcAft>
+              <a:buNone/>
+            </a:pPr>
+            <a:r>
+              <a:t/>
+            </a:r>
+            <a:endParaRPr/>
+          </a:p>
+          <a:p>
+            <a:pPr indent="0" lvl="0" marL="0" rtl="0" algn="l">
+              <a:spcBef>
+                <a:spcPts val="1200"/>
+              </a:spcBef>
+              <a:spcAft>
+                <a:spcPts val="0"/>
+              </a:spcAft>
+              <a:buNone/>
+            </a:pPr>
+            <a:r>
+              <a:rPr lang="en-GB"/>
+              <a:t>It shouldn’t be.</a:t>
+            </a:r>
+            <a:endParaRPr/>
+          </a:p>
+          <a:p>
+            <a:pPr indent="0" lvl="0" marL="0" rtl="0" algn="l">
+              <a:spcBef>
+                <a:spcPts val="1200"/>
+              </a:spcBef>
+              <a:spcAft>
+                <a:spcPts val="0"/>
+              </a:spcAft>
+              <a:buNone/>
+            </a:pPr>
+            <a:r>
+              <a:rPr lang="en-GB"/>
+              <a:t>This leads to </a:t>
+            </a:r>
+            <a:r>
+              <a:rPr i="1" lang="en-GB"/>
+              <a:t>technical debt.</a:t>
+            </a:r>
+            <a:endParaRPr i="1"/>
+          </a:p>
+          <a:p>
+            <a:pPr indent="0" lvl="0" marL="0" rtl="0" algn="l">
+              <a:spcBef>
+                <a:spcPts val="1200"/>
+              </a:spcBef>
+              <a:spcAft>
+                <a:spcPts val="1200"/>
+              </a:spcAft>
+              <a:buNone/>
+            </a:pPr>
+            <a:r>
               <a:t/>
             </a:r>
             <a:endParaRPr/>
           </a:p>
         </p:txBody>
       </p:sp>
+    </p:spTree>
+  </p:cSld>
+  <p:clrMapOvr>
+    <a:masterClrMapping/>
+  </p:clrMapOvr>
+  <p:timing>
+    <p:tnLst>
+      <p:par>
+        <p:cTn dur="indefinite" nodeType="tmRoot" restart="never">
+          <p:childTnLst>
+            <p:seq concurrent="1" nextAc="seek">
+              <p:cTn dur="indefinite" id="2" nodeType="mainSeq">
+                <p:childTnLst>
+                  <p:par>
+                    <p:cTn fill="hold">
+                      <p:stCondLst>
+                        <p:cond delay="indefinite"/>
+                      </p:stCondLst>
+                      <p:childTnLst>
+                        <p:par>
+                          <p:cTn fill="hold">
+                            <p:stCondLst>
+                              <p:cond delay="0"/>
+                            </p:stCondLst>
+                            <p:childTnLst>
+                              <p:par>
+                                <p:cTn fill="hold" nodeType="clickEffect" presetClass="entr" presetID="10" presetSubtype="0">
+                                  <p:stCondLst>
+                                    <p:cond delay="0"/>
+                                  </p:stCondLst>
+                                  <p:childTnLst>
+                                    <p:set>
+                                      <p:cBhvr>
+                                        <p:cTn dur="1" fill="hold">
+                                          <p:stCondLst>
+                                            <p:cond delay="0"/>
+                                          </p:stCondLst>
+                                        </p:cTn>
+                                        <p:tgtEl>
+                                          <p:spTgt spid="61">
+                                            <p:txEl>
+                                              <p:pRg end="0" st="0"/>
+                                            </p:txEl>
+                                          </p:spTgt>
+                                        </p:tgtEl>
+                                        <p:attrNameLst>
+                                          <p:attrName>style.visibility</p:attrName>
+                                        </p:attrNameLst>
+                                      </p:cBhvr>
+                                      <p:to>
+                                        <p:strVal val="visible"/>
+                                      </p:to>
+                                    </p:set>
+                                    <p:animEffect filter="fade" transition="in">
+                                      <p:cBhvr>
+                                        <p:cTn dur="1000"/>
+                                        <p:tgtEl>
+                                          <p:spTgt spid="61">
+                                            <p:txEl>
+                                              <p:pRg end="0" st="0"/>
+                                            </p:txEl>
+                                          </p:spTgt>
+                                        </p:tgtEl>
+                                      </p:cBhvr>
+                                    </p:animEffect>
+                                  </p:childTnLst>
+                                </p:cTn>
+                              </p:par>
+                            </p:childTnLst>
+                          </p:cTn>
+                        </p:par>
+                      </p:childTnLst>
+                    </p:cTn>
+                  </p:par>
+                  <p:par>
+                    <p:cTn fill="hold">
+                      <p:stCondLst>
+                        <p:cond delay="indefinite"/>
+                      </p:stCondLst>
+                      <p:childTnLst>
+                        <p:par>
+                          <p:cTn fill="hold">
+                            <p:stCondLst>
+                              <p:cond delay="0"/>
+                            </p:stCondLst>
+                            <p:childTnLst>
+                              <p:par>
+                                <p:cTn fill="hold" nodeType="clickEffect" presetClass="entr" presetID="10" presetSubtype="0">
+                                  <p:stCondLst>
+                                    <p:cond delay="0"/>
+                                  </p:stCondLst>
+                                  <p:childTnLst>
+                                    <p:set>
+                                      <p:cBhvr>
+                                        <p:cTn dur="1" fill="hold">
+                                          <p:stCondLst>
+                                            <p:cond delay="0"/>
+                                          </p:stCondLst>
+                                        </p:cTn>
+                                        <p:tgtEl>
+                                          <p:spTgt spid="61">
+                                            <p:txEl>
+                                              <p:pRg end="1" st="1"/>
+                                            </p:txEl>
+                                          </p:spTgt>
+                                        </p:tgtEl>
+                                        <p:attrNameLst>
+                                          <p:attrName>style.visibility</p:attrName>
+                                        </p:attrNameLst>
+                                      </p:cBhvr>
+                                      <p:to>
+                                        <p:strVal val="visible"/>
+                                      </p:to>
+                                    </p:set>
+                                    <p:animEffect filter="fade" transition="in">
+                                      <p:cBhvr>
+                                        <p:cTn dur="1000"/>
+                                        <p:tgtEl>
+                                          <p:spTgt spid="61">
+                                            <p:txEl>
+                                              <p:pRg end="1" st="1"/>
+                                            </p:txEl>
+                                          </p:spTgt>
+                                        </p:tgtEl>
+                                      </p:cBhvr>
+                                    </p:animEffect>
+                                  </p:childTnLst>
+                                </p:cTn>
+                              </p:par>
+                            </p:childTnLst>
+                          </p:cTn>
+                        </p:par>
+                      </p:childTnLst>
+                    </p:cTn>
+                  </p:par>
+                  <p:par>
+                    <p:cTn fill="hold">
+                      <p:stCondLst>
+                        <p:cond delay="indefinite"/>
+                      </p:stCondLst>
+                      <p:childTnLst>
+                        <p:par>
+                          <p:cTn fill="hold">
+                            <p:stCondLst>
+                              <p:cond delay="0"/>
+                            </p:stCondLst>
+                            <p:childTnLst>
+                              <p:par>
+                                <p:cTn fill="hold" nodeType="clickEffect" presetClass="entr" presetID="10" presetSubtype="0">
+                                  <p:stCondLst>
+                                    <p:cond delay="0"/>
+                                  </p:stCondLst>
+                                  <p:childTnLst>
+                                    <p:set>
+                                      <p:cBhvr>
+                                        <p:cTn dur="1" fill="hold">
+                                          <p:stCondLst>
+                                            <p:cond delay="0"/>
+                                          </p:stCondLst>
+                                        </p:cTn>
+                                        <p:tgtEl>
+                                          <p:spTgt spid="61">
+                                            <p:txEl>
+                                              <p:pRg end="2" st="2"/>
+                                            </p:txEl>
+                                          </p:spTgt>
+                                        </p:tgtEl>
+                                        <p:attrNameLst>
+                                          <p:attrName>style.visibility</p:attrName>
+                                        </p:attrNameLst>
+                                      </p:cBhvr>
+                                      <p:to>
+                                        <p:strVal val="visible"/>
+                                      </p:to>
+                                    </p:set>
+                                    <p:animEffect filter="fade" transition="in">
+                                      <p:cBhvr>
+                                        <p:cTn dur="1000"/>
+                                        <p:tgtEl>
+                                          <p:spTgt spid="61">
+                                            <p:txEl>
+                                              <p:pRg end="2" st="2"/>
+                                            </p:txEl>
+                                          </p:spTgt>
+                                        </p:tgtEl>
+                                      </p:cBhvr>
+                                    </p:animEffect>
+                                  </p:childTnLst>
+                                </p:cTn>
+                              </p:par>
+                            </p:childTnLst>
+                          </p:cTn>
+                        </p:par>
+                      </p:childTnLst>
+                    </p:cTn>
+                  </p:par>
+                  <p:par>
+                    <p:cTn fill="hold">
+                      <p:stCondLst>
+                        <p:cond delay="indefinite"/>
+                      </p:stCondLst>
+                      <p:childTnLst>
+                        <p:par>
+                          <p:cTn fill="hold">
+                            <p:stCondLst>
+                              <p:cond delay="0"/>
+                            </p:stCondLst>
+                            <p:childTnLst>
+                              <p:par>
+                                <p:cTn fill="hold" nodeType="clickEffect" presetClass="entr" presetID="10" presetSubtype="0">
+                                  <p:stCondLst>
+                                    <p:cond delay="0"/>
+                                  </p:stCondLst>
+                                  <p:childTnLst>
+                                    <p:set>
+                                      <p:cBhvr>
+                                        <p:cTn dur="1" fill="hold">
+                                          <p:stCondLst>
+                                            <p:cond delay="0"/>
+                                          </p:stCondLst>
+                                        </p:cTn>
+                                        <p:tgtEl>
+                                          <p:spTgt spid="61">
+                                            <p:txEl>
+                                              <p:pRg end="3" st="3"/>
+                                            </p:txEl>
+                                          </p:spTgt>
+                                        </p:tgtEl>
+                                        <p:attrNameLst>
+                                          <p:attrName>style.visibility</p:attrName>
+                                        </p:attrNameLst>
+                                      </p:cBhvr>
+                                      <p:to>
+                                        <p:strVal val="visible"/>
+                                      </p:to>
+                                    </p:set>
+                                    <p:animEffect filter="fade" transition="in">
+                                      <p:cBhvr>
+                                        <p:cTn dur="1000"/>
+                                        <p:tgtEl>
+                                          <p:spTgt spid="61">
+                                            <p:txEl>
+                                              <p:pRg end="3" st="3"/>
+                                            </p:txEl>
+                                          </p:spTgt>
+                                        </p:tgtEl>
+                                      </p:cBhvr>
+                                    </p:animEffect>
+                                  </p:childTnLst>
+                                </p:cTn>
+                              </p:par>
+                            </p:childTnLst>
+                          </p:cTn>
+                        </p:par>
+                      </p:childTnLst>
+                    </p:cTn>
+                  </p:par>
+                  <p:par>
+                    <p:cTn fill="hold">
+                      <p:stCondLst>
+                        <p:cond delay="indefinite"/>
+                      </p:stCondLst>
+                      <p:childTnLst>
+                        <p:par>
+                          <p:cTn fill="hold">
+                            <p:stCondLst>
+                              <p:cond delay="0"/>
+                            </p:stCondLst>
+                            <p:childTnLst>
+                              <p:par>
+                                <p:cTn fill="hold" nodeType="clickEffect" presetClass="entr" presetID="10" presetSubtype="0">
+                                  <p:stCondLst>
+                                    <p:cond delay="0"/>
+                                  </p:stCondLst>
+                                  <p:childTnLst>
+                                    <p:set>
+                                      <p:cBhvr>
+                                        <p:cTn dur="1" fill="hold">
+                                          <p:stCondLst>
+                                            <p:cond delay="0"/>
+                                          </p:stCondLst>
+                                        </p:cTn>
+                                        <p:tgtEl>
+                                          <p:spTgt spid="61">
+                                            <p:txEl>
+                                              <p:pRg end="4" st="4"/>
+                                            </p:txEl>
+                                          </p:spTgt>
+                                        </p:tgtEl>
+                                        <p:attrNameLst>
+                                          <p:attrName>style.visibility</p:attrName>
+                                        </p:attrNameLst>
+                                      </p:cBhvr>
+                                      <p:to>
+                                        <p:strVal val="visible"/>
+                                      </p:to>
+                                    </p:set>
+                                    <p:animEffect filter="fade" transition="in">
+                                      <p:cBhvr>
+                                        <p:cTn dur="1000"/>
+                                        <p:tgtEl>
+                                          <p:spTgt spid="61">
+                                            <p:txEl>
+                                              <p:pRg end="4" st="4"/>
+                                            </p:txEl>
+                                          </p:spTgt>
+                                        </p:tgtEl>
+                                      </p:cBhvr>
+                                    </p:animEffect>
+                                  </p:childTnLst>
+                                </p:cTn>
+                              </p:par>
+                            </p:childTnLst>
+                          </p:cTn>
+                        </p:par>
+                      </p:childTnLst>
+                    </p:cTn>
+                  </p:par>
+                  <p:par>
+                    <p:cTn fill="hold">
+                      <p:stCondLst>
+                        <p:cond delay="indefinite"/>
+                      </p:stCondLst>
+                      <p:childTnLst>
+                        <p:par>
+                          <p:cTn fill="hold">
+                            <p:stCondLst>
+                              <p:cond delay="0"/>
+                            </p:stCondLst>
+                            <p:childTnLst>
+                              <p:par>
+                                <p:cTn fill="hold" nodeType="clickEffect" presetClass="entr" presetID="10" presetSubtype="0">
+                                  <p:stCondLst>
+                                    <p:cond delay="0"/>
+                                  </p:stCondLst>
+                                  <p:childTnLst>
+                                    <p:set>
+                                      <p:cBhvr>
+                                        <p:cTn dur="1" fill="hold">
+                                          <p:stCondLst>
+                                            <p:cond delay="0"/>
+                                          </p:stCondLst>
+                                        </p:cTn>
+                                        <p:tgtEl>
+                                          <p:spTgt spid="61">
+                                            <p:txEl>
+                                              <p:pRg end="5" st="5"/>
+                                            </p:txEl>
+                                          </p:spTgt>
+                                        </p:tgtEl>
+                                        <p:attrNameLst>
+                                          <p:attrName>style.visibility</p:attrName>
+                                        </p:attrNameLst>
+                                      </p:cBhvr>
+                                      <p:to>
+                                        <p:strVal val="visible"/>
+                                      </p:to>
+                                    </p:set>
+                                    <p:animEffect filter="fade" transition="in">
+                                      <p:cBhvr>
+                                        <p:cTn dur="1000"/>
+                                        <p:tgtEl>
+                                          <p:spTgt spid="61">
+                                            <p:txEl>
+                                              <p:pRg end="5" st="5"/>
+                                            </p:txEl>
+                                          </p:spTgt>
+                                        </p:tgtEl>
+                                      </p:cBhvr>
+                                    </p:animEffect>
+                                  </p:childTnLst>
+                                </p:cTn>
+                              </p:par>
+                            </p:childTnLst>
+                          </p:cTn>
+                        </p:par>
+                      </p:childTnLst>
+                    </p:cTn>
+                  </p:par>
+                  <p:par>
+                    <p:cTn fill="hold">
+                      <p:stCondLst>
+                        <p:cond delay="indefinite"/>
+                      </p:stCondLst>
+                      <p:childTnLst>
+                        <p:par>
+                          <p:cTn fill="hold">
+                            <p:stCondLst>
+                              <p:cond delay="0"/>
+                            </p:stCondLst>
+                            <p:childTnLst>
+                              <p:par>
+                                <p:cTn fill="hold" nodeType="clickEffect" presetClass="entr" presetID="10" presetSubtype="0">
+                                  <p:stCondLst>
+                                    <p:cond delay="0"/>
+                                  </p:stCondLst>
+                                  <p:childTnLst>
+                                    <p:set>
+                                      <p:cBhvr>
+                                        <p:cTn dur="1" fill="hold">
+                                          <p:stCondLst>
+                                            <p:cond delay="0"/>
+                                          </p:stCondLst>
+                                        </p:cTn>
+                                        <p:tgtEl>
+                                          <p:spTgt spid="61">
+                                            <p:txEl>
+                                              <p:pRg end="6" st="6"/>
+                                            </p:txEl>
+                                          </p:spTgt>
+                                        </p:tgtEl>
+                                        <p:attrNameLst>
+                                          <p:attrName>style.visibility</p:attrName>
+                                        </p:attrNameLst>
+                                      </p:cBhvr>
+                                      <p:to>
+                                        <p:strVal val="visible"/>
+                                      </p:to>
+                                    </p:set>
+                                    <p:animEffect filter="fade" transition="in">
+                                      <p:cBhvr>
+                                        <p:cTn dur="1000"/>
+                                        <p:tgtEl>
+                                          <p:spTgt spid="61">
+                                            <p:txEl>
+                                              <p:pRg end="6" st="6"/>
+                                            </p:txEl>
+                                          </p:spTgt>
+                                        </p:tgtEl>
+                                      </p:cBhvr>
+                                    </p:animEffect>
+                                  </p:childTnLst>
+                                </p:cTn>
+                              </p:par>
+                            </p:childTnLst>
+                          </p:cTn>
+                        </p:par>
+                      </p:childTnLst>
+                    </p:cTn>
+                  </p:par>
+                </p:childTnLst>
+              </p:cTn>
+              <p:prevCondLst>
+                <p:cond evt="onPrev">
+                  <p:tgtEl>
+                    <p:sldTgt/>
+                  </p:tgtEl>
+                </p:cond>
+              </p:prevCondLst>
+              <p:nextCondLst>
+                <p:cond evt="onNext">
+                  <p:tgtEl>
+                    <p:sldTgt/>
+                  </p:tgtEl>
+                </p:cond>
+              </p:nextCondLst>
+            </p:seq>
+          </p:childTnLst>
+        </p:cTn>
+      </p:par>
+    </p:tnLst>
+  </p:timing>
+</p:sld>
+</file>
+
+<file path=ppt/slides/slide3.xml><?xml version="1.0" encoding="utf-8"?>
+<p:sld xmlns:a="http://schemas.openxmlformats.org/drawingml/2006/main" xmlns:r="http://schemas.openxmlformats.org/officeDocument/2006/relationships" xmlns:mc="http://schemas.openxmlformats.org/markup-compatibility/2006" xmlns:mv="urn:schemas-microsoft-com:mac:vml" xmlns:p="http://schemas.openxmlformats.org/presentationml/2006/main" xmlns:c="http://schemas.openxmlformats.org/drawingml/2006/chart" xmlns:dgm="http://schemas.openxmlformats.org/drawingml/2006/diagram" xmlns:o="urn:schemas-microsoft-com:office:office" xmlns:v="urn:schemas-microsoft-com:vml" xmlns:pvml="urn:schemas-microsoft-com:office:powerpoint" xmlns:com="http://schemas.openxmlformats.org/drawingml/2006/compatibility" xmlns:p14="http://schemas.microsoft.com/office/powerpoint/2010/main" xmlns:p15="http://schemas.microsoft.com/office/powerpoint/2012/main" xmlns:ahyp="http://schemas.microsoft.com/office/drawing/2018/hyperlinkcolor">
+  <p:cSld>
+    <p:spTree>
+      <p:nvGrpSpPr>
+        <p:cNvPr id="65" name="Shape 65"/>
+        <p:cNvGrpSpPr/>
+        <p:nvPr/>
+      </p:nvGrpSpPr>
+      <p:grpSpPr>
+        <a:xfrm>
+          <a:off x="0" y="0"/>
+          <a:ext cx="0" cy="0"/>
+          <a:chOff x="0" y="0"/>
+          <a:chExt cx="0" cy="0"/>
+        </a:xfrm>
+      </p:grpSpPr>
+      <p:sp>
+        <p:nvSpPr>
+          <p:cNvPr id="66" name="Google Shape;66;p15"/>
+          <p:cNvSpPr txBox="1"/>
+          <p:nvPr>
+            <p:ph type="title"/>
+          </p:nvPr>
+        </p:nvSpPr>
+        <p:spPr>
+          <a:xfrm>
+            <a:off x="311700" y="445025"/>
+            <a:ext cx="8520600" cy="572700"/>
+          </a:xfrm>
+          <a:prstGeom prst="rect">
+            <a:avLst/>
+          </a:prstGeom>
+        </p:spPr>
+        <p:txBody>
+          <a:bodyPr anchorCtr="0" anchor="t" bIns="91425" lIns="91425" spcFirstLastPara="1" rIns="91425" wrap="square" tIns="91425">
+            <a:normAutofit fontScale="90000"/>
+          </a:bodyPr>
+          <a:lstStyle/>
+          <a:p>
+            <a:pPr indent="0" lvl="0" marL="0" rtl="0" algn="l">
+              <a:spcBef>
+                <a:spcPts val="0"/>
+              </a:spcBef>
+              <a:spcAft>
+                <a:spcPts val="0"/>
+              </a:spcAft>
+              <a:buNone/>
+            </a:pPr>
+            <a:r>
+              <a:rPr lang="en-GB"/>
+              <a:t>Research should be…</a:t>
+            </a:r>
+            <a:endParaRPr/>
+          </a:p>
+        </p:txBody>
+      </p:sp>
+      <p:sp>
+        <p:nvSpPr>
+          <p:cNvPr id="67" name="Google Shape;67;p15"/>
+          <p:cNvSpPr txBox="1"/>
+          <p:nvPr>
+            <p:ph idx="1" type="body"/>
+          </p:nvPr>
+        </p:nvSpPr>
+        <p:spPr>
+          <a:xfrm>
+            <a:off x="311700" y="1152475"/>
+            <a:ext cx="8520600" cy="3416400"/>
+          </a:xfrm>
+          <a:prstGeom prst="rect">
+            <a:avLst/>
+          </a:prstGeom>
+        </p:spPr>
+        <p:txBody>
+          <a:bodyPr anchorCtr="0" anchor="t" bIns="91425" lIns="91425" spcFirstLastPara="1" rIns="91425" wrap="square" tIns="91425">
+            <a:normAutofit/>
+          </a:bodyPr>
+          <a:lstStyle/>
+          <a:p>
+            <a:pPr indent="-342900" lvl="0" marL="457200" rtl="0" algn="l">
+              <a:spcBef>
+                <a:spcPts val="0"/>
+              </a:spcBef>
+              <a:spcAft>
+                <a:spcPts val="0"/>
+              </a:spcAft>
+              <a:buSzPts val="1800"/>
+              <a:buChar char="●"/>
+            </a:pPr>
+            <a:r>
+              <a:rPr lang="en-GB"/>
+              <a:t>Used by other people - that’s impact</a:t>
+            </a:r>
+            <a:endParaRPr/>
+          </a:p>
+          <a:p>
+            <a:pPr indent="-342900" lvl="0" marL="457200" rtl="0" algn="l">
+              <a:spcBef>
+                <a:spcPts val="0"/>
+              </a:spcBef>
+              <a:spcAft>
+                <a:spcPts val="0"/>
+              </a:spcAft>
+              <a:buSzPts val="1800"/>
+              <a:buChar char="●"/>
+            </a:pPr>
+            <a:r>
+              <a:rPr lang="en-GB"/>
+              <a:t>Developed and collaborated on</a:t>
+            </a:r>
+            <a:endParaRPr/>
+          </a:p>
+        </p:txBody>
+      </p:sp>
+    </p:spTree>
+  </p:cSld>
+  <p:clrMapOvr>
+    <a:masterClrMapping/>
+  </p:clrMapOvr>
+  <p:timing>
+    <p:tnLst>
+      <p:par>
+        <p:cTn dur="indefinite" nodeType="tmRoot" restart="never">
+          <p:childTnLst>
+            <p:seq concurrent="1" nextAc="seek">
+              <p:cTn dur="indefinite" id="2" nodeType="mainSeq">
+                <p:childTnLst>
+                  <p:par>
+                    <p:cTn fill="hold">
+                      <p:stCondLst>
+                        <p:cond delay="indefinite"/>
+                      </p:stCondLst>
+                      <p:childTnLst>
+                        <p:par>
+                          <p:cTn fill="hold">
+                            <p:stCondLst>
+                              <p:cond delay="0"/>
+                            </p:stCondLst>
+                            <p:childTnLst>
+                              <p:par>
+                                <p:cTn fill="hold" nodeType="clickEffect" presetClass="entr" presetID="10" presetSubtype="0">
+                                  <p:stCondLst>
+                                    <p:cond delay="0"/>
+                                  </p:stCondLst>
+                                  <p:childTnLst>
+                                    <p:set>
+                                      <p:cBhvr>
+                                        <p:cTn dur="1" fill="hold">
+                                          <p:stCondLst>
+                                            <p:cond delay="0"/>
+                                          </p:stCondLst>
+                                        </p:cTn>
+                                        <p:tgtEl>
+                                          <p:spTgt spid="67">
+                                            <p:txEl>
+                                              <p:pRg end="0" st="0"/>
+                                            </p:txEl>
+                                          </p:spTgt>
+                                        </p:tgtEl>
+                                        <p:attrNameLst>
+                                          <p:attrName>style.visibility</p:attrName>
+                                        </p:attrNameLst>
+                                      </p:cBhvr>
+                                      <p:to>
+                                        <p:strVal val="visible"/>
+                                      </p:to>
+                                    </p:set>
+                                    <p:animEffect filter="fade" transition="in">
+                                      <p:cBhvr>
+                                        <p:cTn dur="1000"/>
+                                        <p:tgtEl>
+                                          <p:spTgt spid="67">
+                                            <p:txEl>
+                                              <p:pRg end="0" st="0"/>
+                                            </p:txEl>
+                                          </p:spTgt>
+                                        </p:tgtEl>
+                                      </p:cBhvr>
+                                    </p:animEffect>
+                                  </p:childTnLst>
+                                </p:cTn>
+                              </p:par>
+                            </p:childTnLst>
+                          </p:cTn>
+                        </p:par>
+                      </p:childTnLst>
+                    </p:cTn>
+                  </p:par>
+                  <p:par>
+                    <p:cTn fill="hold">
+                      <p:stCondLst>
+                        <p:cond delay="indefinite"/>
+                      </p:stCondLst>
+                      <p:childTnLst>
+                        <p:par>
+                          <p:cTn fill="hold">
+                            <p:stCondLst>
+                              <p:cond delay="0"/>
+                            </p:stCondLst>
+                            <p:childTnLst>
+                              <p:par>
+                                <p:cTn fill="hold" nodeType="clickEffect" presetClass="entr" presetID="10" presetSubtype="0">
+                                  <p:stCondLst>
+                                    <p:cond delay="0"/>
+                                  </p:stCondLst>
+                                  <p:childTnLst>
+                                    <p:set>
+                                      <p:cBhvr>
+                                        <p:cTn dur="1" fill="hold">
+                                          <p:stCondLst>
+                                            <p:cond delay="0"/>
+                                          </p:stCondLst>
+                                        </p:cTn>
+                                        <p:tgtEl>
+                                          <p:spTgt spid="67">
+                                            <p:txEl>
+                                              <p:pRg end="1" st="1"/>
+                                            </p:txEl>
+                                          </p:spTgt>
+                                        </p:tgtEl>
+                                        <p:attrNameLst>
+                                          <p:attrName>style.visibility</p:attrName>
+                                        </p:attrNameLst>
+                                      </p:cBhvr>
+                                      <p:to>
+                                        <p:strVal val="visible"/>
+                                      </p:to>
+                                    </p:set>
+                                    <p:animEffect filter="fade" transition="in">
+                                      <p:cBhvr>
+                                        <p:cTn dur="1000"/>
+                                        <p:tgtEl>
+                                          <p:spTgt spid="67">
+                                            <p:txEl>
+                                              <p:pRg end="1" st="1"/>
+                                            </p:txEl>
+                                          </p:spTgt>
+                                        </p:tgtEl>
+                                      </p:cBhvr>
+                                    </p:animEffect>
+                                  </p:childTnLst>
+                                </p:cTn>
+                              </p:par>
+                            </p:childTnLst>
+                          </p:cTn>
+                        </p:par>
+                      </p:childTnLst>
+                    </p:cTn>
+                  </p:par>
+                </p:childTnLst>
+              </p:cTn>
+              <p:prevCondLst>
+                <p:cond evt="onPrev">
+                  <p:tgtEl>
+                    <p:sldTgt/>
+                  </p:tgtEl>
+                </p:cond>
+              </p:prevCondLst>
+              <p:nextCondLst>
+                <p:cond evt="onNext">
+                  <p:tgtEl>
+                    <p:sldTgt/>
+                  </p:tgtEl>
+                </p:cond>
+              </p:nextCondLst>
+            </p:seq>
+          </p:childTnLst>
+        </p:cTn>
+      </p:par>
+    </p:tnLst>
+  </p:timing>
+</p:sld>
+</file>
+
+<file path=ppt/slides/slide4.xml><?xml version="1.0" encoding="utf-8"?>
+<p:sld xmlns:a="http://schemas.openxmlformats.org/drawingml/2006/main" xmlns:r="http://schemas.openxmlformats.org/officeDocument/2006/relationships" xmlns:mc="http://schemas.openxmlformats.org/markup-compatibility/2006" xmlns:mv="urn:schemas-microsoft-com:mac:vml" xmlns:p="http://schemas.openxmlformats.org/presentationml/2006/main" xmlns:c="http://schemas.openxmlformats.org/drawingml/2006/chart" xmlns:dgm="http://schemas.openxmlformats.org/drawingml/2006/diagram" xmlns:o="urn:schemas-microsoft-com:office:office" xmlns:v="urn:schemas-microsoft-com:vml" xmlns:pvml="urn:schemas-microsoft-com:office:powerpoint" xmlns:com="http://schemas.openxmlformats.org/drawingml/2006/compatibility" xmlns:p14="http://schemas.microsoft.com/office/powerpoint/2010/main" xmlns:p15="http://schemas.microsoft.com/office/powerpoint/2012/main" xmlns:ahyp="http://schemas.microsoft.com/office/drawing/2018/hyperlinkcolor">
+  <p:cSld>
+    <p:spTree>
+      <p:nvGrpSpPr>
+        <p:cNvPr id="71" name="Shape 71"/>
+        <p:cNvGrpSpPr/>
+        <p:nvPr/>
+      </p:nvGrpSpPr>
+      <p:grpSpPr>
+        <a:xfrm>
+          <a:off x="0" y="0"/>
+          <a:ext cx="0" cy="0"/>
+          <a:chOff x="0" y="0"/>
+          <a:chExt cx="0" cy="0"/>
+        </a:xfrm>
+      </p:grpSpPr>
+      <p:sp>
+        <p:nvSpPr>
+          <p:cNvPr id="72" name="Google Shape;72;p16"/>
+          <p:cNvSpPr txBox="1"/>
+          <p:nvPr>
+            <p:ph idx="1" type="body"/>
+          </p:nvPr>
+        </p:nvSpPr>
+        <p:spPr>
+          <a:xfrm>
+            <a:off x="311700" y="1152475"/>
+            <a:ext cx="8520600" cy="3416400"/>
+          </a:xfrm>
+          <a:prstGeom prst="rect">
+            <a:avLst/>
+          </a:prstGeom>
+        </p:spPr>
+        <p:txBody>
+          <a:bodyPr anchorCtr="0" anchor="t" bIns="91425" lIns="91425" spcFirstLastPara="1" rIns="91425" wrap="square" tIns="91425">
+            <a:normAutofit/>
+          </a:bodyPr>
+          <a:lstStyle/>
+          <a:p>
+            <a:pPr indent="0" lvl="0" marL="0" rtl="0" algn="l">
+              <a:spcBef>
+                <a:spcPts val="0"/>
+              </a:spcBef>
+              <a:spcAft>
+                <a:spcPts val="1200"/>
+              </a:spcAft>
+              <a:buNone/>
+            </a:pPr>
+            <a:r>
+              <a:t/>
+            </a:r>
+            <a:endParaRPr/>
+          </a:p>
+        </p:txBody>
+      </p:sp>
+      <p:sp>
+        <p:nvSpPr>
+          <p:cNvPr id="73" name="Google Shape;73;p16"/>
+          <p:cNvSpPr txBox="1"/>
+          <p:nvPr/>
+        </p:nvSpPr>
+        <p:spPr>
+          <a:xfrm>
+            <a:off x="311700" y="423575"/>
+            <a:ext cx="8520600" cy="400200"/>
+          </a:xfrm>
+          <a:prstGeom prst="rect">
+            <a:avLst/>
+          </a:prstGeom>
+          <a:noFill/>
+          <a:ln>
+            <a:noFill/>
+          </a:ln>
+        </p:spPr>
+        <p:txBody>
+          <a:bodyPr anchorCtr="0" anchor="t" bIns="91425" lIns="91425" spcFirstLastPara="1" rIns="91425" wrap="square" tIns="91425">
+            <a:spAutoFit/>
+          </a:bodyPr>
+          <a:lstStyle/>
+          <a:p>
+            <a:pPr indent="0" lvl="0" marL="0" rtl="0" algn="l">
+              <a:spcBef>
+                <a:spcPts val="0"/>
+              </a:spcBef>
+              <a:spcAft>
+                <a:spcPts val="0"/>
+              </a:spcAft>
+              <a:buNone/>
+            </a:pPr>
+            <a:r>
+              <a:rPr lang="en-GB"/>
+              <a:t>https://github.com/HyperDbg/HyperDbg</a:t>
+            </a:r>
+            <a:endParaRPr/>
+          </a:p>
+        </p:txBody>
+      </p:sp>
+      <p:pic>
+        <p:nvPicPr>
+          <p:cNvPr id="74" name="Google Shape;74;p16"/>
+          <p:cNvPicPr preferRelativeResize="0"/>
+          <p:nvPr/>
+        </p:nvPicPr>
+        <p:blipFill>
+          <a:blip r:embed="rId3">
+            <a:alphaModFix/>
+          </a:blip>
+          <a:stretch>
+            <a:fillRect/>
+          </a:stretch>
+        </p:blipFill>
+        <p:spPr>
+          <a:xfrm>
+            <a:off x="2" y="0"/>
+            <a:ext cx="8789594" cy="5143499"/>
+          </a:xfrm>
+          <a:prstGeom prst="rect">
+            <a:avLst/>
+          </a:prstGeom>
+          <a:noFill/>
+          <a:ln>
+            <a:noFill/>
+          </a:ln>
+        </p:spPr>
+      </p:pic>
+    </p:spTree>
+  </p:cSld>
+  <p:clrMapOvr>
+    <a:masterClrMapping/>
+  </p:clrMapOvr>
+</p:sld>
+</file>
+
+<file path=ppt/slides/slide5.xml><?xml version="1.0" encoding="utf-8"?>
+<p:sld xmlns:a="http://schemas.openxmlformats.org/drawingml/2006/main" xmlns:r="http://schemas.openxmlformats.org/officeDocument/2006/relationships" xmlns:mc="http://schemas.openxmlformats.org/markup-compatibility/2006" xmlns:mv="urn:schemas-microsoft-com:mac:vml" xmlns:p="http://schemas.openxmlformats.org/presentationml/2006/main" xmlns:c="http://schemas.openxmlformats.org/drawingml/2006/chart" xmlns:dgm="http://schemas.openxmlformats.org/drawingml/2006/diagram" xmlns:o="urn:schemas-microsoft-com:office:office" xmlns:v="urn:schemas-microsoft-com:vml" xmlns:pvml="urn:schemas-microsoft-com:office:powerpoint" xmlns:com="http://schemas.openxmlformats.org/drawingml/2006/compatibility" xmlns:p14="http://schemas.microsoft.com/office/powerpoint/2010/main" xmlns:p15="http://schemas.microsoft.com/office/powerpoint/2012/main" xmlns:ahyp="http://schemas.microsoft.com/office/drawing/2018/hyperlinkcolor">
+  <p:cSld>
+    <p:spTree>
+      <p:nvGrpSpPr>
+        <p:cNvPr id="78" name="Shape 78"/>
+        <p:cNvGrpSpPr/>
+        <p:nvPr/>
+      </p:nvGrpSpPr>
+      <p:grpSpPr>
+        <a:xfrm>
+          <a:off x="0" y="0"/>
+          <a:ext cx="0" cy="0"/>
+          <a:chOff x="0" y="0"/>
+          <a:chExt cx="0" cy="0"/>
+        </a:xfrm>
+      </p:grpSpPr>
+      <p:pic>
+        <p:nvPicPr>
+          <p:cNvPr id="79" name="Google Shape;79;p17"/>
+          <p:cNvPicPr preferRelativeResize="0"/>
+          <p:nvPr/>
+        </p:nvPicPr>
+        <p:blipFill>
+          <a:blip r:embed="rId3">
+            <a:alphaModFix/>
+          </a:blip>
+          <a:stretch>
+            <a:fillRect/>
+          </a:stretch>
+        </p:blipFill>
+        <p:spPr>
+          <a:xfrm>
+            <a:off x="617627" y="0"/>
+            <a:ext cx="7908748" cy="5143501"/>
+          </a:xfrm>
+          <a:prstGeom prst="rect">
+            <a:avLst/>
+          </a:prstGeom>
+          <a:noFill/>
+          <a:ln>
+            <a:noFill/>
+          </a:ln>
+        </p:spPr>
+      </p:pic>
+    </p:spTree>
+  </p:cSld>
+  <p:clrMapOvr>
+    <a:masterClrMapping/>
+  </p:clrMapOvr>
+</p:sld>
+</file>
+
+<file path=ppt/slides/slide6.xml><?xml version="1.0" encoding="utf-8"?>
+<p:sld xmlns:a="http://schemas.openxmlformats.org/drawingml/2006/main" xmlns:r="http://schemas.openxmlformats.org/officeDocument/2006/relationships" xmlns:mc="http://schemas.openxmlformats.org/markup-compatibility/2006" xmlns:mv="urn:schemas-microsoft-com:mac:vml" xmlns:p="http://schemas.openxmlformats.org/presentationml/2006/main" xmlns:c="http://schemas.openxmlformats.org/drawingml/2006/chart" xmlns:dgm="http://schemas.openxmlformats.org/drawingml/2006/diagram" xmlns:o="urn:schemas-microsoft-com:office:office" xmlns:v="urn:schemas-microsoft-com:vml" xmlns:pvml="urn:schemas-microsoft-com:office:powerpoint" xmlns:com="http://schemas.openxmlformats.org/drawingml/2006/compatibility" xmlns:p14="http://schemas.microsoft.com/office/powerpoint/2010/main" xmlns:p15="http://schemas.microsoft.com/office/powerpoint/2012/main" xmlns:ahyp="http://schemas.microsoft.com/office/drawing/2018/hyperlinkcolor">
+  <p:cSld>
+    <p:spTree>
+      <p:nvGrpSpPr>
+        <p:cNvPr id="83" name="Shape 83"/>
+        <p:cNvGrpSpPr/>
+        <p:nvPr/>
+      </p:nvGrpSpPr>
+      <p:grpSpPr>
+        <a:xfrm>
+          <a:off x="0" y="0"/>
+          <a:ext cx="0" cy="0"/>
+          <a:chOff x="0" y="0"/>
+          <a:chExt cx="0" cy="0"/>
+        </a:xfrm>
+      </p:grpSpPr>
+      <p:pic>
+        <p:nvPicPr>
+          <p:cNvPr id="84" name="Google Shape;84;p18"/>
+          <p:cNvPicPr preferRelativeResize="0"/>
+          <p:nvPr/>
+        </p:nvPicPr>
+        <p:blipFill>
+          <a:blip r:embed="rId3">
+            <a:alphaModFix/>
+          </a:blip>
+          <a:stretch>
+            <a:fillRect/>
+          </a:stretch>
+        </p:blipFill>
+        <p:spPr>
+          <a:xfrm>
+            <a:off x="0" y="0"/>
+            <a:ext cx="9143999" cy="3853319"/>
+          </a:xfrm>
+          <a:prstGeom prst="rect">
+            <a:avLst/>
+          </a:prstGeom>
+          <a:noFill/>
+          <a:ln>
+            <a:noFill/>
+          </a:ln>
+        </p:spPr>
+      </p:pic>
+    </p:spTree>
+  </p:cSld>
+  <p:clrMapOvr>
+    <a:masterClrMapping/>
+  </p:clrMapOvr>
+</p:sld>
+</file>
+
+<file path=ppt/slides/slide7.xml><?xml version="1.0" encoding="utf-8"?>
+<p:sld xmlns:a="http://schemas.openxmlformats.org/drawingml/2006/main" xmlns:r="http://schemas.openxmlformats.org/officeDocument/2006/relationships" xmlns:mc="http://schemas.openxmlformats.org/markup-compatibility/2006" xmlns:mv="urn:schemas-microsoft-com:mac:vml" xmlns:p="http://schemas.openxmlformats.org/presentationml/2006/main" xmlns:c="http://schemas.openxmlformats.org/drawingml/2006/chart" xmlns:dgm="http://schemas.openxmlformats.org/drawingml/2006/diagram" xmlns:o="urn:schemas-microsoft-com:office:office" xmlns:v="urn:schemas-microsoft-com:vml" xmlns:pvml="urn:schemas-microsoft-com:office:powerpoint" xmlns:com="http://schemas.openxmlformats.org/drawingml/2006/compatibility" xmlns:p14="http://schemas.microsoft.com/office/powerpoint/2010/main" xmlns:p15="http://schemas.microsoft.com/office/powerpoint/2012/main" xmlns:ahyp="http://schemas.microsoft.com/office/drawing/2018/hyperlinkcolor">
+  <p:cSld>
+    <p:spTree>
+      <p:nvGrpSpPr>
+        <p:cNvPr id="88" name="Shape 88"/>
+        <p:cNvGrpSpPr/>
+        <p:nvPr/>
+      </p:nvGrpSpPr>
+      <p:grpSpPr>
+        <a:xfrm>
+          <a:off x="0" y="0"/>
+          <a:ext cx="0" cy="0"/>
+          <a:chOff x="0" y="0"/>
+          <a:chExt cx="0" cy="0"/>
+        </a:xfrm>
+      </p:grpSpPr>
+      <p:pic>
+        <p:nvPicPr>
+          <p:cNvPr id="89" name="Google Shape;89;p19"/>
+          <p:cNvPicPr preferRelativeResize="0"/>
+          <p:nvPr/>
+        </p:nvPicPr>
+        <p:blipFill>
+          <a:blip r:embed="rId3">
+            <a:alphaModFix/>
+          </a:blip>
+          <a:stretch>
+            <a:fillRect/>
+          </a:stretch>
+        </p:blipFill>
+        <p:spPr>
+          <a:xfrm>
+            <a:off x="0" y="0"/>
+            <a:ext cx="9144000" cy="1763793"/>
+          </a:xfrm>
+          <a:prstGeom prst="rect">
+            <a:avLst/>
+          </a:prstGeom>
+          <a:noFill/>
+          <a:ln>
+            <a:noFill/>
+          </a:ln>
+        </p:spPr>
+      </p:pic>
     </p:spTree>
   </p:cSld>
   <p:clrMapOvr>
